--- a/Whiteboard design session/Azure-Stack-Migrate/WDS trainer presentation - Azure Stack Migrate.pptx
+++ b/Whiteboard design session/Azure-Stack-Migrate/WDS trainer presentation - Azure Stack Migrate.pptx
@@ -269,7 +269,7 @@
           <a:p>
             <a:fld id="{52A13B17-C506-4D51-BB37-16B365906619}" type="datetimeFigureOut">
               <a:rPr lang="en-US" smtClean="0"/>
-              <a:t>10/31/2019</a:t>
+              <a:t>7/1/20</a:t>
             </a:fld>
             <a:endParaRPr lang="en-US" dirty="0"/>
           </a:p>
@@ -581,6 +581,31 @@
           <a:lstStyle/>
           <a:p>
             <a:r>
+              <a:rPr lang="en-US" sz="1200" kern="1200">
+                <a:solidFill>
+                  <a:schemeClr val="tx1"/>
+                </a:solidFill>
+                <a:effectLst/>
+                <a:latin typeface="+mn-lt"/>
+                <a:ea typeface="+mn-ea"/>
+                <a:cs typeface="+mn-cs"/>
+              </a:rPr>
+              <a:t>July 2020</a:t>
+            </a:r>
+          </a:p>
+          <a:p>
+            <a:endParaRPr lang="en-US" sz="1200" kern="1200">
+              <a:solidFill>
+                <a:schemeClr val="tx1"/>
+              </a:solidFill>
+              <a:effectLst/>
+              <a:latin typeface="+mn-lt"/>
+              <a:ea typeface="+mn-ea"/>
+              <a:cs typeface="+mn-cs"/>
+            </a:endParaRPr>
+          </a:p>
+          <a:p>
+            <a:r>
               <a:rPr lang="en-US" sz="1200" kern="1200" dirty="0">
                 <a:solidFill>
                   <a:schemeClr val="tx1"/>
@@ -3527,7 +3552,7 @@
                   <a:prstClr val="black"/>
                 </a:solidFill>
               </a:rPr>
-              <a:t>10/31/2019 6:25 PM</a:t>
+              <a:t>7/1/20 4:26 PM</a:t>
             </a:fld>
             <a:endParaRPr lang="en-US" dirty="0">
               <a:solidFill>
@@ -26714,6 +26739,15 @@
 </file>
 
 <file path=customXml/item1.xml><?xml version="1.0" encoding="utf-8"?>
+<?mso-contentType ?>
+<FormTemplates xmlns="http://schemas.microsoft.com/sharepoint/v3/contenttype/forms">
+  <Display>DocumentLibraryForm</Display>
+  <Edit>DocumentLibraryForm</Edit>
+  <New>DocumentLibraryForm</New>
+</FormTemplates>
+</file>
+
+<file path=customXml/item2.xml><?xml version="1.0" encoding="utf-8"?>
 <p:properties xmlns:p="http://schemas.microsoft.com/office/2006/metadata/properties" xmlns:xsi="http://www.w3.org/2001/XMLSchema-instance" xmlns:pc="http://schemas.microsoft.com/office/infopath/2007/PartnerControls">
   <documentManagement>
     <_ip_UnifiedCompliancePolicyUIAction xmlns="http://schemas.microsoft.com/sharepoint/v3" xsi:nil="true"/>
@@ -26722,7 +26756,7 @@
 </p:properties>
 </file>
 
-<file path=customXml/item2.xml><?xml version="1.0" encoding="utf-8"?>
+<file path=customXml/item3.xml><?xml version="1.0" encoding="utf-8"?>
 <ct:contentTypeSchema xmlns:ct="http://schemas.microsoft.com/office/2006/metadata/contentType" xmlns:ma="http://schemas.microsoft.com/office/2006/metadata/properties/metaAttributes" ct:_="" ma:_="" ma:contentTypeName="Document" ma:contentTypeID="0x010100D15DFA3690A15B4081582BBCC6BEAC3E" ma:contentTypeVersion="9" ma:contentTypeDescription="Create a new document." ma:contentTypeScope="" ma:versionID="642da1784587cbe85a7fdbbe4dc36103">
   <xsd:schema xmlns:xsd="http://www.w3.org/2001/XMLSchema" xmlns:xs="http://www.w3.org/2001/XMLSchema" xmlns:p="http://schemas.microsoft.com/office/2006/metadata/properties" xmlns:ns1="http://schemas.microsoft.com/sharepoint/v3" xmlns:ns2="2023ac63-7b75-4916-a9ee-591457758eee" xmlns:ns3="d9c797ad-d7c3-4982-82b7-81352a75e4a5" targetNamespace="http://schemas.microsoft.com/office/2006/metadata/properties" ma:root="true" ma:fieldsID="91198b0246576053cc55dd2c67035a89" ns1:_="" ns2:_="" ns3:_="">
     <xsd:import namespace="http://schemas.microsoft.com/sharepoint/v3"/>
@@ -26924,16 +26958,15 @@
 </ct:contentTypeSchema>
 </file>
 
-<file path=customXml/item3.xml><?xml version="1.0" encoding="utf-8"?>
-<?mso-contentType ?>
-<FormTemplates xmlns="http://schemas.microsoft.com/sharepoint/v3/contenttype/forms">
-  <Display>DocumentLibraryForm</Display>
-  <Edit>DocumentLibraryForm</Edit>
-  <New>DocumentLibraryForm</New>
-</FormTemplates>
+<file path=customXml/itemProps1.xml><?xml version="1.0" encoding="utf-8"?>
+<ds:datastoreItem xmlns:ds="http://schemas.openxmlformats.org/officeDocument/2006/customXml" ds:itemID="{F18501AF-04CF-4482-BAE1-607B49DDC378}">
+  <ds:schemaRefs>
+    <ds:schemaRef ds:uri="http://schemas.microsoft.com/sharepoint/v3/contenttype/forms"/>
+  </ds:schemaRefs>
+</ds:datastoreItem>
 </file>
 
-<file path=customXml/itemProps1.xml><?xml version="1.0" encoding="utf-8"?>
+<file path=customXml/itemProps2.xml><?xml version="1.0" encoding="utf-8"?>
 <ds:datastoreItem xmlns:ds="http://schemas.openxmlformats.org/officeDocument/2006/customXml" ds:itemID="{BAF7D529-36AB-45DA-B239-2F912F2D1610}">
   <ds:schemaRefs>
     <ds:schemaRef ds:uri="http://purl.org/dc/terms/"/>
@@ -26951,7 +26984,7 @@
 </ds:datastoreItem>
 </file>
 
-<file path=customXml/itemProps2.xml><?xml version="1.0" encoding="utf-8"?>
+<file path=customXml/itemProps3.xml><?xml version="1.0" encoding="utf-8"?>
 <ds:datastoreItem xmlns:ds="http://schemas.openxmlformats.org/officeDocument/2006/customXml" ds:itemID="{255F5BEB-6AD6-480A-8556-C80C5EBC10F2}">
   <ds:schemaRefs>
     <ds:schemaRef ds:uri="http://schemas.microsoft.com/office/2006/metadata/contentType"/>
@@ -26969,12 +27002,4 @@
     <ds:schemaRef ds:uri="http://schemas.microsoft.com/internal/obd"/>
   </ds:schemaRefs>
 </ds:datastoreItem>
-</file>
-
-<file path=customXml/itemProps3.xml><?xml version="1.0" encoding="utf-8"?>
-<ds:datastoreItem xmlns:ds="http://schemas.openxmlformats.org/officeDocument/2006/customXml" ds:itemID="{F18501AF-04CF-4482-BAE1-607B49DDC378}">
-  <ds:schemaRefs>
-    <ds:schemaRef ds:uri="http://schemas.microsoft.com/sharepoint/v3/contenttype/forms"/>
-  </ds:schemaRefs>
-</ds:datastoreItem>
 </file>